--- a/readme.pptx
+++ b/readme.pptx
@@ -18,9 +18,26 @@
     <p:sldId id="267" r:id="rId12"/>
     <p:sldId id="264" r:id="rId13"/>
     <p:sldId id="268" r:id="rId14"/>
-    <p:sldId id="269" r:id="rId15"/>
-    <p:sldId id="270" r:id="rId16"/>
-    <p:sldId id="271" r:id="rId17"/>
+    <p:sldId id="276" r:id="rId15"/>
+    <p:sldId id="269" r:id="rId16"/>
+    <p:sldId id="272" r:id="rId17"/>
+    <p:sldId id="273" r:id="rId18"/>
+    <p:sldId id="274" r:id="rId19"/>
+    <p:sldId id="275" r:id="rId20"/>
+    <p:sldId id="277" r:id="rId21"/>
+    <p:sldId id="278" r:id="rId22"/>
+    <p:sldId id="279" r:id="rId23"/>
+    <p:sldId id="280" r:id="rId24"/>
+    <p:sldId id="281" r:id="rId25"/>
+    <p:sldId id="283" r:id="rId26"/>
+    <p:sldId id="284" r:id="rId27"/>
+    <p:sldId id="285" r:id="rId28"/>
+    <p:sldId id="286" r:id="rId29"/>
+    <p:sldId id="287" r:id="rId30"/>
+    <p:sldId id="270" r:id="rId31"/>
+    <p:sldId id="288" r:id="rId32"/>
+    <p:sldId id="289" r:id="rId33"/>
+    <p:sldId id="271" r:id="rId34"/>
   </p:sldIdLst>
   <p:sldSz cx="12192000" cy="6858000"/>
   <p:notesSz cx="6858000" cy="9144000"/>
@@ -131,6 +148,7 @@
 <p1510:revInfo xmlns:a="http://schemas.openxmlformats.org/drawingml/2006/main" xmlns:r="http://schemas.openxmlformats.org/officeDocument/2006/relationships" xmlns:p1510="http://schemas.microsoft.com/office/powerpoint/2015/10/main">
   <p1510:revLst>
     <p1510:client id="{8FB2A255-38CF-7910-0181-D0CD1D6DA451}" v="50" dt="2025-08-28T10:39:03.806"/>
+    <p1510:client id="{9D167357-7EFD-464D-A2B4-1E9A333D4CE1}" v="165" dt="2025-08-28T14:29:46.315"/>
     <p1510:client id="{B739BBFE-B93C-4124-B7EB-B5C54A9F1B79}" v="3863" dt="2025-08-27T17:07:05.523"/>
   </p1510:revLst>
 </p1510:revInfo>
@@ -267,7 +285,7 @@
           <a:p>
             <a:fld id="{846CE7D5-CF57-46EF-B807-FDD0502418D4}" type="datetimeFigureOut">
               <a:rPr lang="en-US" smtClean="0"/>
-              <a:t>8/28/2025</a:t>
+              <a:t>8/29/2025</a:t>
             </a:fld>
             <a:endParaRPr lang="en-US"/>
           </a:p>
@@ -437,7 +455,7 @@
           <a:p>
             <a:fld id="{846CE7D5-CF57-46EF-B807-FDD0502418D4}" type="datetimeFigureOut">
               <a:rPr lang="en-US" smtClean="0"/>
-              <a:t>8/28/2025</a:t>
+              <a:t>8/29/2025</a:t>
             </a:fld>
             <a:endParaRPr lang="en-US"/>
           </a:p>
@@ -617,7 +635,7 @@
           <a:p>
             <a:fld id="{846CE7D5-CF57-46EF-B807-FDD0502418D4}" type="datetimeFigureOut">
               <a:rPr lang="en-US" smtClean="0"/>
-              <a:t>8/28/2025</a:t>
+              <a:t>8/29/2025</a:t>
             </a:fld>
             <a:endParaRPr lang="en-US"/>
           </a:p>
@@ -787,7 +805,7 @@
           <a:p>
             <a:fld id="{846CE7D5-CF57-46EF-B807-FDD0502418D4}" type="datetimeFigureOut">
               <a:rPr lang="en-US" smtClean="0"/>
-              <a:t>8/28/2025</a:t>
+              <a:t>8/29/2025</a:t>
             </a:fld>
             <a:endParaRPr lang="en-US"/>
           </a:p>
@@ -1033,7 +1051,7 @@
           <a:p>
             <a:fld id="{846CE7D5-CF57-46EF-B807-FDD0502418D4}" type="datetimeFigureOut">
               <a:rPr lang="en-US" smtClean="0"/>
-              <a:t>8/28/2025</a:t>
+              <a:t>8/29/2025</a:t>
             </a:fld>
             <a:endParaRPr lang="en-US"/>
           </a:p>
@@ -1265,7 +1283,7 @@
           <a:p>
             <a:fld id="{846CE7D5-CF57-46EF-B807-FDD0502418D4}" type="datetimeFigureOut">
               <a:rPr lang="en-US" smtClean="0"/>
-              <a:t>8/28/2025</a:t>
+              <a:t>8/29/2025</a:t>
             </a:fld>
             <a:endParaRPr lang="en-US"/>
           </a:p>
@@ -1632,7 +1650,7 @@
           <a:p>
             <a:fld id="{846CE7D5-CF57-46EF-B807-FDD0502418D4}" type="datetimeFigureOut">
               <a:rPr lang="en-US" smtClean="0"/>
-              <a:t>8/28/2025</a:t>
+              <a:t>8/29/2025</a:t>
             </a:fld>
             <a:endParaRPr lang="en-US"/>
           </a:p>
@@ -1750,7 +1768,7 @@
           <a:p>
             <a:fld id="{846CE7D5-CF57-46EF-B807-FDD0502418D4}" type="datetimeFigureOut">
               <a:rPr lang="en-US" smtClean="0"/>
-              <a:t>8/28/2025</a:t>
+              <a:t>8/29/2025</a:t>
             </a:fld>
             <a:endParaRPr lang="en-US"/>
           </a:p>
@@ -1845,7 +1863,7 @@
           <a:p>
             <a:fld id="{846CE7D5-CF57-46EF-B807-FDD0502418D4}" type="datetimeFigureOut">
               <a:rPr lang="en-US" smtClean="0"/>
-              <a:t>8/28/2025</a:t>
+              <a:t>8/29/2025</a:t>
             </a:fld>
             <a:endParaRPr lang="en-US"/>
           </a:p>
@@ -2122,7 +2140,7 @@
           <a:p>
             <a:fld id="{846CE7D5-CF57-46EF-B807-FDD0502418D4}" type="datetimeFigureOut">
               <a:rPr lang="en-US" smtClean="0"/>
-              <a:t>8/28/2025</a:t>
+              <a:t>8/29/2025</a:t>
             </a:fld>
             <a:endParaRPr lang="en-US"/>
           </a:p>
@@ -2379,7 +2397,7 @@
           <a:p>
             <a:fld id="{846CE7D5-CF57-46EF-B807-FDD0502418D4}" type="datetimeFigureOut">
               <a:rPr lang="en-US" smtClean="0"/>
-              <a:t>8/28/2025</a:t>
+              <a:t>8/29/2025</a:t>
             </a:fld>
             <a:endParaRPr lang="en-US"/>
           </a:p>
@@ -2592,7 +2610,7 @@
           <a:p>
             <a:fld id="{846CE7D5-CF57-46EF-B807-FDD0502418D4}" type="datetimeFigureOut">
               <a:rPr lang="en-US" smtClean="0"/>
-              <a:t>8/28/2025</a:t>
+              <a:t>8/29/2025</a:t>
             </a:fld>
             <a:endParaRPr lang="en-US"/>
           </a:p>
@@ -4495,7 +4513,13 @@
   <p:cSld>
     <p:spTree>
       <p:nvGrpSpPr>
-        <p:cNvPr id="1" name=""/>
+        <p:cNvPr id="1" name="">
+          <a:extLst>
+            <a:ext uri="{FF2B5EF4-FFF2-40B4-BE49-F238E27FC236}">
+              <a16:creationId xmlns:a16="http://schemas.microsoft.com/office/drawing/2014/main" id="{3F9E7475-ADA1-56B5-A02F-4C8F2B67A227}"/>
+            </a:ext>
+          </a:extLst>
+        </p:cNvPr>
         <p:cNvGrpSpPr/>
         <p:nvPr/>
       </p:nvGrpSpPr>
@@ -4509,10 +4533,10 @@
       </p:grpSpPr>
       <p:sp>
         <p:nvSpPr>
-          <p:cNvPr id="3" name="Content Placeholder 2">
+          <p:cNvPr id="2" name="Title 1">
             <a:extLst>
               <a:ext uri="{FF2B5EF4-FFF2-40B4-BE49-F238E27FC236}">
-                <a16:creationId xmlns:a16="http://schemas.microsoft.com/office/drawing/2014/main" id="{A862471A-2CA8-8234-BE35-49207DC5658D}"/>
+                <a16:creationId xmlns:a16="http://schemas.microsoft.com/office/drawing/2014/main" id="{A5A0FA6C-629F-C259-47F0-A89F77D434EA}"/>
               </a:ext>
             </a:extLst>
           </p:cNvPr>
@@ -4520,125 +4544,32 @@
             <a:spLocks noGrp="1"/>
           </p:cNvSpPr>
           <p:nvPr>
-            <p:ph idx="1"/>
+            <p:ph type="title"/>
           </p:nvPr>
         </p:nvSpPr>
         <p:spPr>
           <a:xfrm>
-            <a:off x="838200" y="659674"/>
-            <a:ext cx="10515600" cy="5517289"/>
-          </a:xfrm>
-        </p:spPr>
-        <p:txBody>
-          <a:bodyPr vert="horz" lIns="91440" tIns="45720" rIns="91440" bIns="45720" rtlCol="0" anchor="t">
-            <a:normAutofit/>
-          </a:bodyPr>
-          <a:lstStyle/>
-          <a:p>
+            <a:off x="838200" y="365125"/>
+            <a:ext cx="10515600" cy="6145442"/>
+          </a:xfrm>
+        </p:spPr>
+        <p:txBody>
+          <a:bodyPr/>
+          <a:lstStyle/>
+          <a:p>
+            <a:pPr algn="ctr"/>
             <a:r>
               <a:rPr lang="en-US" b="1" dirty="0"/>
-              <a:t>Adding Income or Expense</a:t>
-            </a:r>
-            <a:r>
-              <a:rPr lang="en-US" dirty="0"/>
-              <a:t>:</a:t>
-            </a:r>
-          </a:p>
-          <a:p>
-            <a:pPr marL="914400" lvl="1" indent="-457200">
-              <a:buAutoNum type="arabicPeriod"/>
-            </a:pPr>
-            <a:r>
-              <a:rPr lang="en-US" dirty="0"/>
-              <a:t>Click Add Income or Add Expense button.</a:t>
-            </a:r>
-          </a:p>
-          <a:p>
-            <a:pPr marL="914400" lvl="1" indent="-457200">
-              <a:buAutoNum type="arabicPeriod"/>
-            </a:pPr>
-            <a:r>
-              <a:rPr lang="en-US" dirty="0"/>
-              <a:t>Form will open in a modal window and will show different categories to select depending on what is being added.</a:t>
-            </a:r>
-          </a:p>
-          <a:p>
-            <a:pPr marL="914400" lvl="1" indent="-457200">
-              <a:buAutoNum type="arabicPeriod"/>
-            </a:pPr>
-            <a:r>
-              <a:rPr lang="en-US" dirty="0"/>
-              <a:t>Fill the form with date, description, amount and category and submit.</a:t>
-            </a:r>
-          </a:p>
-          <a:p>
-            <a:pPr marL="914400" lvl="1" indent="-457200">
-              <a:buAutoNum type="arabicPeriod"/>
-            </a:pPr>
-            <a:r>
-              <a:rPr lang="en-US" dirty="0"/>
-              <a:t>Form will close, new transaction will slide-in in UI and stats will update.</a:t>
-            </a:r>
-          </a:p>
-          <a:p>
-            <a:pPr indent="0">
-              <a:buNone/>
-            </a:pPr>
+              <a:t>Adding an income or expense</a:t>
+            </a:r>
             <a:endParaRPr lang="en-US" dirty="0"/>
-          </a:p>
-          <a:p>
-            <a:pPr marL="457200">
-              <a:buFont typeface="Arial"/>
-              <a:buChar char="•"/>
-            </a:pPr>
-            <a:r>
-              <a:rPr lang="en-US" b="1" dirty="0"/>
-              <a:t>Updating Income or Expense:</a:t>
-            </a:r>
-            <a:endParaRPr lang="en-US" dirty="0"/>
-          </a:p>
-          <a:p>
-            <a:pPr marL="914400" lvl="1" indent="-457200">
-              <a:buAutoNum type="arabicPeriod"/>
-            </a:pPr>
-            <a:r>
-              <a:rPr lang="en-US" dirty="0"/>
-              <a:t>Click update button from a transaction.</a:t>
-            </a:r>
-          </a:p>
-          <a:p>
-            <a:pPr marL="914400" lvl="1" indent="-457200">
-              <a:buAutoNum type="arabicPeriod"/>
-            </a:pPr>
-            <a:r>
-              <a:rPr lang="en-US" dirty="0"/>
-              <a:t>Form will open in a modal window with pre-filled data of the transaction.</a:t>
-            </a:r>
-          </a:p>
-          <a:p>
-            <a:pPr marL="914400" lvl="1" indent="-457200">
-              <a:buAutoNum type="arabicPeriod"/>
-            </a:pPr>
-            <a:r>
-              <a:rPr lang="en-US" dirty="0"/>
-              <a:t>Modify/Update data and submit the form.</a:t>
-            </a:r>
-          </a:p>
-          <a:p>
-            <a:pPr marL="914400" lvl="1" indent="-457200">
-              <a:buAutoNum type="arabicPeriod"/>
-            </a:pPr>
-            <a:r>
-              <a:rPr lang="en-US" dirty="0"/>
-              <a:t>Form will close, updated transaction will animate and Stats will update.</a:t>
-            </a:r>
           </a:p>
         </p:txBody>
       </p:sp>
     </p:spTree>
     <p:extLst>
       <p:ext uri="{BB962C8B-B14F-4D97-AF65-F5344CB8AC3E}">
-        <p14:creationId xmlns:p14="http://schemas.microsoft.com/office/powerpoint/2010/main" val="1059616369"/>
+        <p14:creationId xmlns:p14="http://schemas.microsoft.com/office/powerpoint/2010/main" val="3331486009"/>
       </p:ext>
     </p:extLst>
   </p:cSld>
@@ -4670,7 +4601,7 @@
           <p:cNvPr id="3" name="Content Placeholder 2">
             <a:extLst>
               <a:ext uri="{FF2B5EF4-FFF2-40B4-BE49-F238E27FC236}">
-                <a16:creationId xmlns:a16="http://schemas.microsoft.com/office/drawing/2014/main" id="{6C96A187-B59F-2970-1F99-A77CAC26BF46}"/>
+                <a16:creationId xmlns:a16="http://schemas.microsoft.com/office/drawing/2014/main" id="{A862471A-2CA8-8234-BE35-49207DC5658D}"/>
               </a:ext>
             </a:extLst>
           </p:cNvPr>
@@ -4683,8 +4614,8 @@
         </p:nvSpPr>
         <p:spPr>
           <a:xfrm>
-            <a:off x="838200" y="586228"/>
-            <a:ext cx="10515600" cy="5590735"/>
+            <a:off x="838200" y="659674"/>
+            <a:ext cx="10515600" cy="5517289"/>
           </a:xfrm>
         </p:spPr>
         <p:txBody>
@@ -4695,7 +4626,11 @@
           <a:p>
             <a:r>
               <a:rPr lang="en-US" b="1" dirty="0"/>
-              <a:t>Deleting an income/expense:</a:t>
+              <a:t>Adding Income or Expense</a:t>
+            </a:r>
+            <a:r>
+              <a:rPr lang="en-US" dirty="0"/>
+              <a:t>:</a:t>
             </a:r>
           </a:p>
           <a:p>
@@ -4704,7 +4639,7 @@
             </a:pPr>
             <a:r>
               <a:rPr lang="en-US" dirty="0"/>
-              <a:t>Click delete button from a transaction.</a:t>
+              <a:t>Click Add Income or Add Expense button.</a:t>
             </a:r>
           </a:p>
           <a:p>
@@ -4713,18 +4648,7 @@
             </a:pPr>
             <a:r>
               <a:rPr lang="en-US" dirty="0"/>
-              <a:t>Transaction will slide-out and will be deleted, Stats will be updated.</a:t>
-            </a:r>
-          </a:p>
-          <a:p>
-            <a:pPr marL="457200"/>
-            <a:endParaRPr lang="en-US" dirty="0"/>
-          </a:p>
-          <a:p>
-            <a:pPr marL="457200"/>
-            <a:r>
-              <a:rPr lang="en-US" b="1" dirty="0"/>
-              <a:t>Filter income and expenses by category:</a:t>
+              <a:t>Form will open in a modal window and will show different categories to select depending on what is being added.</a:t>
             </a:r>
           </a:p>
           <a:p>
@@ -4733,7 +4657,7 @@
             </a:pPr>
             <a:r>
               <a:rPr lang="en-US" dirty="0"/>
-              <a:t>Select one or more categories from select menu in Income or/and Expense areas.</a:t>
+              <a:t>Fill the form with date, description, amount and category and submit.</a:t>
             </a:r>
           </a:p>
           <a:p>
@@ -4742,24 +4666,21 @@
             </a:pPr>
             <a:r>
               <a:rPr lang="en-US" dirty="0"/>
-              <a:t>Transactions will be filtered based on the categories selected and UI will only show filtered categories.</a:t>
+              <a:t>Form will close, new transaction will slide-in in UI and stats will update.</a:t>
             </a:r>
           </a:p>
           <a:p>
             <a:pPr marL="914400" lvl="1" indent="-457200">
               <a:buAutoNum type="arabicPeriod"/>
             </a:pPr>
-            <a:r>
-              <a:rPr lang="en-US" dirty="0"/>
-              <a:t>Stats will update based on visible (filtered) transactions.</a:t>
-            </a:r>
+            <a:endParaRPr lang="en-US" dirty="0"/>
           </a:p>
         </p:txBody>
       </p:sp>
     </p:spTree>
     <p:extLst>
       <p:ext uri="{BB962C8B-B14F-4D97-AF65-F5344CB8AC3E}">
-        <p14:creationId xmlns:p14="http://schemas.microsoft.com/office/powerpoint/2010/main" val="425546169"/>
+        <p14:creationId xmlns:p14="http://schemas.microsoft.com/office/powerpoint/2010/main" val="1059616369"/>
       </p:ext>
     </p:extLst>
   </p:cSld>
@@ -4786,45 +4707,232 @@
           <a:chExt cx="0" cy="0"/>
         </a:xfrm>
       </p:grpSpPr>
-      <p:sp>
-        <p:nvSpPr>
-          <p:cNvPr id="2" name="Title 1">
+      <p:pic>
+        <p:nvPicPr>
+          <p:cNvPr id="4" name="Picture 3" descr="A purple rectangle with black text&#10;&#10;AI-generated content may be incorrect.">
             <a:extLst>
               <a:ext uri="{FF2B5EF4-FFF2-40B4-BE49-F238E27FC236}">
-                <a16:creationId xmlns:a16="http://schemas.microsoft.com/office/drawing/2014/main" id="{44D92D44-8182-4301-FD32-6D801057A470}"/>
+                <a16:creationId xmlns:a16="http://schemas.microsoft.com/office/drawing/2014/main" id="{153BA915-D135-F944-778E-40A424D0503D}"/>
               </a:ext>
             </a:extLst>
           </p:cNvPr>
-          <p:cNvSpPr>
-            <a:spLocks noGrp="1"/>
-          </p:cNvSpPr>
-          <p:nvPr>
-            <p:ph type="title"/>
-          </p:nvPr>
-        </p:nvSpPr>
-        <p:spPr>
-          <a:xfrm>
-            <a:off x="838200" y="365125"/>
-            <a:ext cx="10515600" cy="6145442"/>
-          </a:xfrm>
-        </p:spPr>
-        <p:txBody>
-          <a:bodyPr/>
-          <a:lstStyle/>
-          <a:p>
-            <a:pPr algn="ctr"/>
-            <a:r>
-              <a:rPr lang="en-US" b="1" dirty="0"/>
-              <a:t>THE END</a:t>
-            </a:r>
-            <a:endParaRPr lang="en-US"/>
-          </a:p>
-        </p:txBody>
-      </p:sp>
+          <p:cNvPicPr>
+            <a:picLocks noChangeAspect="1"/>
+          </p:cNvPicPr>
+          <p:nvPr/>
+        </p:nvPicPr>
+        <p:blipFill>
+          <a:blip r:embed="rId2"/>
+          <a:stretch>
+            <a:fillRect/>
+          </a:stretch>
+        </p:blipFill>
+        <p:spPr>
+          <a:xfrm>
+            <a:off x="839233" y="1717082"/>
+            <a:ext cx="10458450" cy="4048125"/>
+          </a:xfrm>
+          <a:prstGeom prst="rect">
+            <a:avLst/>
+          </a:prstGeom>
+        </p:spPr>
+      </p:pic>
     </p:spTree>
     <p:extLst>
       <p:ext uri="{BB962C8B-B14F-4D97-AF65-F5344CB8AC3E}">
-        <p14:creationId xmlns:p14="http://schemas.microsoft.com/office/powerpoint/2010/main" val="3104140579"/>
+        <p14:creationId xmlns:p14="http://schemas.microsoft.com/office/powerpoint/2010/main" val="1140863422"/>
+      </p:ext>
+    </p:extLst>
+  </p:cSld>
+  <p:clrMapOvr>
+    <a:masterClrMapping/>
+  </p:clrMapOvr>
+</p:sld>
+</file>
+
+<file path=ppt/slides/slide17.xml><?xml version="1.0" encoding="utf-8"?>
+<p:sld xmlns:a="http://schemas.openxmlformats.org/drawingml/2006/main" xmlns:r="http://schemas.openxmlformats.org/officeDocument/2006/relationships" xmlns:p="http://schemas.openxmlformats.org/presentationml/2006/main">
+  <p:cSld>
+    <p:spTree>
+      <p:nvGrpSpPr>
+        <p:cNvPr id="1" name=""/>
+        <p:cNvGrpSpPr/>
+        <p:nvPr/>
+      </p:nvGrpSpPr>
+      <p:grpSpPr>
+        <a:xfrm>
+          <a:off x="0" y="0"/>
+          <a:ext cx="0" cy="0"/>
+          <a:chOff x="0" y="0"/>
+          <a:chExt cx="0" cy="0"/>
+        </a:xfrm>
+      </p:grpSpPr>
+      <p:pic>
+        <p:nvPicPr>
+          <p:cNvPr id="4" name="Picture 3" descr="A screenshot of a computer screen&#10;&#10;AI-generated content may be incorrect.">
+            <a:extLst>
+              <a:ext uri="{FF2B5EF4-FFF2-40B4-BE49-F238E27FC236}">
+                <a16:creationId xmlns:a16="http://schemas.microsoft.com/office/drawing/2014/main" id="{B50ED539-A5B4-FC4B-5BFC-26DE029F6D7F}"/>
+              </a:ext>
+            </a:extLst>
+          </p:cNvPr>
+          <p:cNvPicPr>
+            <a:picLocks noChangeAspect="1"/>
+          </p:cNvPicPr>
+          <p:nvPr/>
+        </p:nvPicPr>
+        <p:blipFill>
+          <a:blip r:embed="rId2"/>
+          <a:stretch>
+            <a:fillRect/>
+          </a:stretch>
+        </p:blipFill>
+        <p:spPr>
+          <a:xfrm>
+            <a:off x="723900" y="319088"/>
+            <a:ext cx="10744200" cy="6219825"/>
+          </a:xfrm>
+          <a:prstGeom prst="rect">
+            <a:avLst/>
+          </a:prstGeom>
+        </p:spPr>
+      </p:pic>
+    </p:spTree>
+    <p:extLst>
+      <p:ext uri="{BB962C8B-B14F-4D97-AF65-F5344CB8AC3E}">
+        <p14:creationId xmlns:p14="http://schemas.microsoft.com/office/powerpoint/2010/main" val="3158670266"/>
+      </p:ext>
+    </p:extLst>
+  </p:cSld>
+  <p:clrMapOvr>
+    <a:masterClrMapping/>
+  </p:clrMapOvr>
+</p:sld>
+</file>
+
+<file path=ppt/slides/slide18.xml><?xml version="1.0" encoding="utf-8"?>
+<p:sld xmlns:a="http://schemas.openxmlformats.org/drawingml/2006/main" xmlns:r="http://schemas.openxmlformats.org/officeDocument/2006/relationships" xmlns:p="http://schemas.openxmlformats.org/presentationml/2006/main">
+  <p:cSld>
+    <p:spTree>
+      <p:nvGrpSpPr>
+        <p:cNvPr id="1" name="">
+          <a:extLst>
+            <a:ext uri="{FF2B5EF4-FFF2-40B4-BE49-F238E27FC236}">
+              <a16:creationId xmlns:a16="http://schemas.microsoft.com/office/drawing/2014/main" id="{603E0019-A785-6956-D750-FCCADB1C428E}"/>
+            </a:ext>
+          </a:extLst>
+        </p:cNvPr>
+        <p:cNvGrpSpPr/>
+        <p:nvPr/>
+      </p:nvGrpSpPr>
+      <p:grpSpPr>
+        <a:xfrm>
+          <a:off x="0" y="0"/>
+          <a:ext cx="0" cy="0"/>
+          <a:chOff x="0" y="0"/>
+          <a:chExt cx="0" cy="0"/>
+        </a:xfrm>
+      </p:grpSpPr>
+      <p:pic>
+        <p:nvPicPr>
+          <p:cNvPr id="2" name="Picture 1" descr="A screenshot of a computer screen&#10;&#10;AI-generated content may be incorrect.">
+            <a:extLst>
+              <a:ext uri="{FF2B5EF4-FFF2-40B4-BE49-F238E27FC236}">
+                <a16:creationId xmlns:a16="http://schemas.microsoft.com/office/drawing/2014/main" id="{4BAA0FE2-7AA9-D010-F9EB-271CD9C1AD41}"/>
+              </a:ext>
+            </a:extLst>
+          </p:cNvPr>
+          <p:cNvPicPr>
+            <a:picLocks noChangeAspect="1"/>
+          </p:cNvPicPr>
+          <p:nvPr/>
+        </p:nvPicPr>
+        <p:blipFill>
+          <a:blip r:embed="rId2"/>
+          <a:stretch>
+            <a:fillRect/>
+          </a:stretch>
+        </p:blipFill>
+        <p:spPr>
+          <a:xfrm>
+            <a:off x="985838" y="76200"/>
+            <a:ext cx="10220325" cy="6705600"/>
+          </a:xfrm>
+          <a:prstGeom prst="rect">
+            <a:avLst/>
+          </a:prstGeom>
+        </p:spPr>
+      </p:pic>
+    </p:spTree>
+    <p:extLst>
+      <p:ext uri="{BB962C8B-B14F-4D97-AF65-F5344CB8AC3E}">
+        <p14:creationId xmlns:p14="http://schemas.microsoft.com/office/powerpoint/2010/main" val="1424522787"/>
+      </p:ext>
+    </p:extLst>
+  </p:cSld>
+  <p:clrMapOvr>
+    <a:masterClrMapping/>
+  </p:clrMapOvr>
+</p:sld>
+</file>
+
+<file path=ppt/slides/slide19.xml><?xml version="1.0" encoding="utf-8"?>
+<p:sld xmlns:a="http://schemas.openxmlformats.org/drawingml/2006/main" xmlns:r="http://schemas.openxmlformats.org/officeDocument/2006/relationships" xmlns:p="http://schemas.openxmlformats.org/presentationml/2006/main">
+  <p:cSld>
+    <p:spTree>
+      <p:nvGrpSpPr>
+        <p:cNvPr id="1" name="">
+          <a:extLst>
+            <a:ext uri="{FF2B5EF4-FFF2-40B4-BE49-F238E27FC236}">
+              <a16:creationId xmlns:a16="http://schemas.microsoft.com/office/drawing/2014/main" id="{603E0019-A785-6956-D750-FCCADB1C428E}"/>
+            </a:ext>
+          </a:extLst>
+        </p:cNvPr>
+        <p:cNvGrpSpPr/>
+        <p:nvPr/>
+      </p:nvGrpSpPr>
+      <p:grpSpPr>
+        <a:xfrm>
+          <a:off x="0" y="0"/>
+          <a:ext cx="0" cy="0"/>
+          <a:chOff x="0" y="0"/>
+          <a:chExt cx="0" cy="0"/>
+        </a:xfrm>
+      </p:grpSpPr>
+      <p:pic>
+        <p:nvPicPr>
+          <p:cNvPr id="3" name="Picture 2" descr="A screenshot of a computer&#10;&#10;AI-generated content may be incorrect.">
+            <a:extLst>
+              <a:ext uri="{FF2B5EF4-FFF2-40B4-BE49-F238E27FC236}">
+                <a16:creationId xmlns:a16="http://schemas.microsoft.com/office/drawing/2014/main" id="{A851DAF3-5AB3-AB36-377F-182BB10447CD}"/>
+              </a:ext>
+            </a:extLst>
+          </p:cNvPr>
+          <p:cNvPicPr>
+            <a:picLocks noChangeAspect="1"/>
+          </p:cNvPicPr>
+          <p:nvPr/>
+        </p:nvPicPr>
+        <p:blipFill>
+          <a:blip r:embed="rId2"/>
+          <a:stretch>
+            <a:fillRect/>
+          </a:stretch>
+        </p:blipFill>
+        <p:spPr>
+          <a:xfrm>
+            <a:off x="1306420" y="0"/>
+            <a:ext cx="9579159" cy="6858000"/>
+          </a:xfrm>
+          <a:prstGeom prst="rect">
+            <a:avLst/>
+          </a:prstGeom>
+        </p:spPr>
+      </p:pic>
+    </p:spTree>
+    <p:extLst>
+      <p:ext uri="{BB962C8B-B14F-4D97-AF65-F5344CB8AC3E}">
+        <p14:creationId xmlns:p14="http://schemas.microsoft.com/office/powerpoint/2010/main" val="247288004"/>
       </p:ext>
     </p:extLst>
   </p:cSld>
@@ -4961,6 +5069,763 @@
 </p:sld>
 </file>
 
+<file path=ppt/slides/slide20.xml><?xml version="1.0" encoding="utf-8"?>
+<p:sld xmlns:a="http://schemas.openxmlformats.org/drawingml/2006/main" xmlns:r="http://schemas.openxmlformats.org/officeDocument/2006/relationships" xmlns:p="http://schemas.openxmlformats.org/presentationml/2006/main">
+  <p:cSld>
+    <p:spTree>
+      <p:nvGrpSpPr>
+        <p:cNvPr id="1" name="">
+          <a:extLst>
+            <a:ext uri="{FF2B5EF4-FFF2-40B4-BE49-F238E27FC236}">
+              <a16:creationId xmlns:a16="http://schemas.microsoft.com/office/drawing/2014/main" id="{9C4B6C9D-D442-1F1A-9AF1-C1782F71C037}"/>
+            </a:ext>
+          </a:extLst>
+        </p:cNvPr>
+        <p:cNvGrpSpPr/>
+        <p:nvPr/>
+      </p:nvGrpSpPr>
+      <p:grpSpPr>
+        <a:xfrm>
+          <a:off x="0" y="0"/>
+          <a:ext cx="0" cy="0"/>
+          <a:chOff x="0" y="0"/>
+          <a:chExt cx="0" cy="0"/>
+        </a:xfrm>
+      </p:grpSpPr>
+      <p:sp>
+        <p:nvSpPr>
+          <p:cNvPr id="2" name="Title 1">
+            <a:extLst>
+              <a:ext uri="{FF2B5EF4-FFF2-40B4-BE49-F238E27FC236}">
+                <a16:creationId xmlns:a16="http://schemas.microsoft.com/office/drawing/2014/main" id="{B0B2AAAD-F042-DA29-2986-C2AEA4E360A2}"/>
+              </a:ext>
+            </a:extLst>
+          </p:cNvPr>
+          <p:cNvSpPr>
+            <a:spLocks noGrp="1"/>
+          </p:cNvSpPr>
+          <p:nvPr>
+            <p:ph type="title"/>
+          </p:nvPr>
+        </p:nvSpPr>
+        <p:spPr>
+          <a:xfrm>
+            <a:off x="838200" y="365125"/>
+            <a:ext cx="10515600" cy="6145442"/>
+          </a:xfrm>
+        </p:spPr>
+        <p:txBody>
+          <a:bodyPr/>
+          <a:lstStyle/>
+          <a:p>
+            <a:pPr algn="ctr"/>
+            <a:r>
+              <a:rPr lang="en-US" b="1" dirty="0"/>
+              <a:t>Updating an income or expense</a:t>
+            </a:r>
+            <a:endParaRPr lang="en-US" dirty="0"/>
+          </a:p>
+        </p:txBody>
+      </p:sp>
+    </p:spTree>
+    <p:extLst>
+      <p:ext uri="{BB962C8B-B14F-4D97-AF65-F5344CB8AC3E}">
+        <p14:creationId xmlns:p14="http://schemas.microsoft.com/office/powerpoint/2010/main" val="4028010651"/>
+      </p:ext>
+    </p:extLst>
+  </p:cSld>
+  <p:clrMapOvr>
+    <a:masterClrMapping/>
+  </p:clrMapOvr>
+</p:sld>
+</file>
+
+<file path=ppt/slides/slide21.xml><?xml version="1.0" encoding="utf-8"?>
+<p:sld xmlns:a="http://schemas.openxmlformats.org/drawingml/2006/main" xmlns:r="http://schemas.openxmlformats.org/officeDocument/2006/relationships" xmlns:p="http://schemas.openxmlformats.org/presentationml/2006/main">
+  <p:cSld>
+    <p:spTree>
+      <p:nvGrpSpPr>
+        <p:cNvPr id="1" name="">
+          <a:extLst>
+            <a:ext uri="{FF2B5EF4-FFF2-40B4-BE49-F238E27FC236}">
+              <a16:creationId xmlns:a16="http://schemas.microsoft.com/office/drawing/2014/main" id="{2FA695A8-9B36-65A6-0427-CEB2282F95AE}"/>
+            </a:ext>
+          </a:extLst>
+        </p:cNvPr>
+        <p:cNvGrpSpPr/>
+        <p:nvPr/>
+      </p:nvGrpSpPr>
+      <p:grpSpPr>
+        <a:xfrm>
+          <a:off x="0" y="0"/>
+          <a:ext cx="0" cy="0"/>
+          <a:chOff x="0" y="0"/>
+          <a:chExt cx="0" cy="0"/>
+        </a:xfrm>
+      </p:grpSpPr>
+      <p:sp>
+        <p:nvSpPr>
+          <p:cNvPr id="3" name="Content Placeholder 2">
+            <a:extLst>
+              <a:ext uri="{FF2B5EF4-FFF2-40B4-BE49-F238E27FC236}">
+                <a16:creationId xmlns:a16="http://schemas.microsoft.com/office/drawing/2014/main" id="{4404E89E-D5FB-0D4D-DBA0-C41B0017D945}"/>
+              </a:ext>
+            </a:extLst>
+          </p:cNvPr>
+          <p:cNvSpPr>
+            <a:spLocks noGrp="1"/>
+          </p:cNvSpPr>
+          <p:nvPr>
+            <p:ph idx="1"/>
+          </p:nvPr>
+        </p:nvSpPr>
+        <p:spPr>
+          <a:xfrm>
+            <a:off x="838200" y="659674"/>
+            <a:ext cx="10515600" cy="5517289"/>
+          </a:xfrm>
+        </p:spPr>
+        <p:txBody>
+          <a:bodyPr vert="horz" lIns="91440" tIns="45720" rIns="91440" bIns="45720" rtlCol="0" anchor="t">
+            <a:normAutofit/>
+          </a:bodyPr>
+          <a:lstStyle/>
+          <a:p>
+            <a:pPr marL="0" indent="0">
+              <a:buNone/>
+            </a:pPr>
+            <a:endParaRPr lang="en-US" dirty="0"/>
+          </a:p>
+          <a:p>
+            <a:pPr marL="457200">
+              <a:buFont typeface="Arial"/>
+              <a:buChar char="•"/>
+            </a:pPr>
+            <a:r>
+              <a:rPr lang="en-US" b="1" dirty="0"/>
+              <a:t>Updating Income or Expense:</a:t>
+            </a:r>
+            <a:endParaRPr lang="en-US" dirty="0"/>
+          </a:p>
+          <a:p>
+            <a:pPr marL="914400" lvl="1" indent="-457200">
+              <a:buAutoNum type="arabicPeriod"/>
+            </a:pPr>
+            <a:r>
+              <a:rPr lang="en-US" dirty="0"/>
+              <a:t>Click update button from a transaction.</a:t>
+            </a:r>
+          </a:p>
+          <a:p>
+            <a:pPr marL="914400" lvl="1" indent="-457200">
+              <a:buAutoNum type="arabicPeriod"/>
+            </a:pPr>
+            <a:r>
+              <a:rPr lang="en-US" dirty="0"/>
+              <a:t>Form will open in a modal window with pre-filled data of the transaction.</a:t>
+            </a:r>
+          </a:p>
+          <a:p>
+            <a:pPr marL="914400" lvl="1" indent="-457200">
+              <a:buAutoNum type="arabicPeriod"/>
+            </a:pPr>
+            <a:r>
+              <a:rPr lang="en-US" dirty="0"/>
+              <a:t>Modify/Update data and submit the form.</a:t>
+            </a:r>
+          </a:p>
+          <a:p>
+            <a:pPr marL="914400" lvl="1" indent="-457200">
+              <a:buAutoNum type="arabicPeriod"/>
+            </a:pPr>
+            <a:r>
+              <a:rPr lang="en-US" dirty="0"/>
+              <a:t>Form will close, updated transaction will animate and Stats will update.</a:t>
+            </a:r>
+          </a:p>
+        </p:txBody>
+      </p:sp>
+    </p:spTree>
+    <p:extLst>
+      <p:ext uri="{BB962C8B-B14F-4D97-AF65-F5344CB8AC3E}">
+        <p14:creationId xmlns:p14="http://schemas.microsoft.com/office/powerpoint/2010/main" val="1580073469"/>
+      </p:ext>
+    </p:extLst>
+  </p:cSld>
+  <p:clrMapOvr>
+    <a:masterClrMapping/>
+  </p:clrMapOvr>
+</p:sld>
+</file>
+
+<file path=ppt/slides/slide22.xml><?xml version="1.0" encoding="utf-8"?>
+<p:sld xmlns:a="http://schemas.openxmlformats.org/drawingml/2006/main" xmlns:r="http://schemas.openxmlformats.org/officeDocument/2006/relationships" xmlns:p="http://schemas.openxmlformats.org/presentationml/2006/main">
+  <p:cSld>
+    <p:spTree>
+      <p:nvGrpSpPr>
+        <p:cNvPr id="1" name="">
+          <a:extLst>
+            <a:ext uri="{FF2B5EF4-FFF2-40B4-BE49-F238E27FC236}">
+              <a16:creationId xmlns:a16="http://schemas.microsoft.com/office/drawing/2014/main" id="{23FB476B-AC09-AD7D-9991-B89D2F9A550D}"/>
+            </a:ext>
+          </a:extLst>
+        </p:cNvPr>
+        <p:cNvGrpSpPr/>
+        <p:nvPr/>
+      </p:nvGrpSpPr>
+      <p:grpSpPr>
+        <a:xfrm>
+          <a:off x="0" y="0"/>
+          <a:ext cx="0" cy="0"/>
+          <a:chOff x="0" y="0"/>
+          <a:chExt cx="0" cy="0"/>
+        </a:xfrm>
+      </p:grpSpPr>
+      <p:pic>
+        <p:nvPicPr>
+          <p:cNvPr id="2" name="Picture 1" descr="A screenshot of a computer&#10;&#10;AI-generated content may be incorrect.">
+            <a:extLst>
+              <a:ext uri="{FF2B5EF4-FFF2-40B4-BE49-F238E27FC236}">
+                <a16:creationId xmlns:a16="http://schemas.microsoft.com/office/drawing/2014/main" id="{21E1E95F-2DE9-35BD-8072-6E8BE97196DD}"/>
+              </a:ext>
+            </a:extLst>
+          </p:cNvPr>
+          <p:cNvPicPr>
+            <a:picLocks noChangeAspect="1"/>
+          </p:cNvPicPr>
+          <p:nvPr/>
+        </p:nvPicPr>
+        <p:blipFill>
+          <a:blip r:embed="rId2"/>
+          <a:stretch>
+            <a:fillRect/>
+          </a:stretch>
+        </p:blipFill>
+        <p:spPr>
+          <a:xfrm>
+            <a:off x="1229032" y="0"/>
+            <a:ext cx="9733935" cy="6858000"/>
+          </a:xfrm>
+          <a:prstGeom prst="rect">
+            <a:avLst/>
+          </a:prstGeom>
+        </p:spPr>
+      </p:pic>
+    </p:spTree>
+    <p:extLst>
+      <p:ext uri="{BB962C8B-B14F-4D97-AF65-F5344CB8AC3E}">
+        <p14:creationId xmlns:p14="http://schemas.microsoft.com/office/powerpoint/2010/main" val="1178120873"/>
+      </p:ext>
+    </p:extLst>
+  </p:cSld>
+  <p:clrMapOvr>
+    <a:masterClrMapping/>
+  </p:clrMapOvr>
+</p:sld>
+</file>
+
+<file path=ppt/slides/slide23.xml><?xml version="1.0" encoding="utf-8"?>
+<p:sld xmlns:a="http://schemas.openxmlformats.org/drawingml/2006/main" xmlns:r="http://schemas.openxmlformats.org/officeDocument/2006/relationships" xmlns:p="http://schemas.openxmlformats.org/presentationml/2006/main">
+  <p:cSld>
+    <p:spTree>
+      <p:nvGrpSpPr>
+        <p:cNvPr id="1" name="">
+          <a:extLst>
+            <a:ext uri="{FF2B5EF4-FFF2-40B4-BE49-F238E27FC236}">
+              <a16:creationId xmlns:a16="http://schemas.microsoft.com/office/drawing/2014/main" id="{63486E24-9BCB-872D-E070-1C3BFEB17069}"/>
+            </a:ext>
+          </a:extLst>
+        </p:cNvPr>
+        <p:cNvGrpSpPr/>
+        <p:nvPr/>
+      </p:nvGrpSpPr>
+      <p:grpSpPr>
+        <a:xfrm>
+          <a:off x="0" y="0"/>
+          <a:ext cx="0" cy="0"/>
+          <a:chOff x="0" y="0"/>
+          <a:chExt cx="0" cy="0"/>
+        </a:xfrm>
+      </p:grpSpPr>
+      <p:pic>
+        <p:nvPicPr>
+          <p:cNvPr id="3" name="Picture 2" descr="A screen shot of a computer screen&#10;&#10;AI-generated content may be incorrect.">
+            <a:extLst>
+              <a:ext uri="{FF2B5EF4-FFF2-40B4-BE49-F238E27FC236}">
+                <a16:creationId xmlns:a16="http://schemas.microsoft.com/office/drawing/2014/main" id="{AA13477F-A9EA-C049-B6CA-969AF3461689}"/>
+              </a:ext>
+            </a:extLst>
+          </p:cNvPr>
+          <p:cNvPicPr>
+            <a:picLocks noChangeAspect="1"/>
+          </p:cNvPicPr>
+          <p:nvPr/>
+        </p:nvPicPr>
+        <p:blipFill>
+          <a:blip r:embed="rId2"/>
+          <a:stretch>
+            <a:fillRect/>
+          </a:stretch>
+        </p:blipFill>
+        <p:spPr>
+          <a:xfrm>
+            <a:off x="1743489" y="0"/>
+            <a:ext cx="8705022" cy="6858000"/>
+          </a:xfrm>
+          <a:prstGeom prst="rect">
+            <a:avLst/>
+          </a:prstGeom>
+        </p:spPr>
+      </p:pic>
+    </p:spTree>
+    <p:extLst>
+      <p:ext uri="{BB962C8B-B14F-4D97-AF65-F5344CB8AC3E}">
+        <p14:creationId xmlns:p14="http://schemas.microsoft.com/office/powerpoint/2010/main" val="703506769"/>
+      </p:ext>
+    </p:extLst>
+  </p:cSld>
+  <p:clrMapOvr>
+    <a:masterClrMapping/>
+  </p:clrMapOvr>
+</p:sld>
+</file>
+
+<file path=ppt/slides/slide24.xml><?xml version="1.0" encoding="utf-8"?>
+<p:sld xmlns:a="http://schemas.openxmlformats.org/drawingml/2006/main" xmlns:r="http://schemas.openxmlformats.org/officeDocument/2006/relationships" xmlns:p="http://schemas.openxmlformats.org/presentationml/2006/main">
+  <p:cSld>
+    <p:spTree>
+      <p:nvGrpSpPr>
+        <p:cNvPr id="1" name="">
+          <a:extLst>
+            <a:ext uri="{FF2B5EF4-FFF2-40B4-BE49-F238E27FC236}">
+              <a16:creationId xmlns:a16="http://schemas.microsoft.com/office/drawing/2014/main" id="{0BE1206D-4C4E-19F1-5AA5-31E06E1889F8}"/>
+            </a:ext>
+          </a:extLst>
+        </p:cNvPr>
+        <p:cNvGrpSpPr/>
+        <p:nvPr/>
+      </p:nvGrpSpPr>
+      <p:grpSpPr>
+        <a:xfrm>
+          <a:off x="0" y="0"/>
+          <a:ext cx="0" cy="0"/>
+          <a:chOff x="0" y="0"/>
+          <a:chExt cx="0" cy="0"/>
+        </a:xfrm>
+      </p:grpSpPr>
+      <p:pic>
+        <p:nvPicPr>
+          <p:cNvPr id="2" name="Picture 1" descr="A screenshot of a computer&#10;&#10;AI-generated content may be incorrect.">
+            <a:extLst>
+              <a:ext uri="{FF2B5EF4-FFF2-40B4-BE49-F238E27FC236}">
+                <a16:creationId xmlns:a16="http://schemas.microsoft.com/office/drawing/2014/main" id="{E2E9D975-227B-64C1-7822-FD990889A20F}"/>
+              </a:ext>
+            </a:extLst>
+          </p:cNvPr>
+          <p:cNvPicPr>
+            <a:picLocks noChangeAspect="1"/>
+          </p:cNvPicPr>
+          <p:nvPr/>
+        </p:nvPicPr>
+        <p:blipFill>
+          <a:blip r:embed="rId2"/>
+          <a:stretch>
+            <a:fillRect/>
+          </a:stretch>
+        </p:blipFill>
+        <p:spPr>
+          <a:xfrm>
+            <a:off x="1414787" y="0"/>
+            <a:ext cx="9362427" cy="6858000"/>
+          </a:xfrm>
+          <a:prstGeom prst="rect">
+            <a:avLst/>
+          </a:prstGeom>
+        </p:spPr>
+      </p:pic>
+    </p:spTree>
+    <p:extLst>
+      <p:ext uri="{BB962C8B-B14F-4D97-AF65-F5344CB8AC3E}">
+        <p14:creationId xmlns:p14="http://schemas.microsoft.com/office/powerpoint/2010/main" val="3540814534"/>
+      </p:ext>
+    </p:extLst>
+  </p:cSld>
+  <p:clrMapOvr>
+    <a:masterClrMapping/>
+  </p:clrMapOvr>
+</p:sld>
+</file>
+
+<file path=ppt/slides/slide25.xml><?xml version="1.0" encoding="utf-8"?>
+<p:sld xmlns:a="http://schemas.openxmlformats.org/drawingml/2006/main" xmlns:r="http://schemas.openxmlformats.org/officeDocument/2006/relationships" xmlns:p="http://schemas.openxmlformats.org/presentationml/2006/main">
+  <p:cSld>
+    <p:spTree>
+      <p:nvGrpSpPr>
+        <p:cNvPr id="1" name="">
+          <a:extLst>
+            <a:ext uri="{FF2B5EF4-FFF2-40B4-BE49-F238E27FC236}">
+              <a16:creationId xmlns:a16="http://schemas.microsoft.com/office/drawing/2014/main" id="{D668EA74-BD26-B610-0D49-424717A90DD7}"/>
+            </a:ext>
+          </a:extLst>
+        </p:cNvPr>
+        <p:cNvGrpSpPr/>
+        <p:nvPr/>
+      </p:nvGrpSpPr>
+      <p:grpSpPr>
+        <a:xfrm>
+          <a:off x="0" y="0"/>
+          <a:ext cx="0" cy="0"/>
+          <a:chOff x="0" y="0"/>
+          <a:chExt cx="0" cy="0"/>
+        </a:xfrm>
+      </p:grpSpPr>
+      <p:sp>
+        <p:nvSpPr>
+          <p:cNvPr id="2" name="Title 1">
+            <a:extLst>
+              <a:ext uri="{FF2B5EF4-FFF2-40B4-BE49-F238E27FC236}">
+                <a16:creationId xmlns:a16="http://schemas.microsoft.com/office/drawing/2014/main" id="{3C81280B-1D74-2E4F-9543-640AF5C75432}"/>
+              </a:ext>
+            </a:extLst>
+          </p:cNvPr>
+          <p:cNvSpPr>
+            <a:spLocks noGrp="1"/>
+          </p:cNvSpPr>
+          <p:nvPr>
+            <p:ph type="title"/>
+          </p:nvPr>
+        </p:nvSpPr>
+        <p:spPr>
+          <a:xfrm>
+            <a:off x="838200" y="365125"/>
+            <a:ext cx="10515600" cy="6145442"/>
+          </a:xfrm>
+        </p:spPr>
+        <p:txBody>
+          <a:bodyPr/>
+          <a:lstStyle/>
+          <a:p>
+            <a:pPr algn="ctr"/>
+            <a:r>
+              <a:rPr lang="en-US" b="1" dirty="0"/>
+              <a:t>Delete an income or expense</a:t>
+            </a:r>
+            <a:endParaRPr lang="en-US" dirty="0"/>
+          </a:p>
+        </p:txBody>
+      </p:sp>
+    </p:spTree>
+    <p:extLst>
+      <p:ext uri="{BB962C8B-B14F-4D97-AF65-F5344CB8AC3E}">
+        <p14:creationId xmlns:p14="http://schemas.microsoft.com/office/powerpoint/2010/main" val="2132123846"/>
+      </p:ext>
+    </p:extLst>
+  </p:cSld>
+  <p:clrMapOvr>
+    <a:masterClrMapping/>
+  </p:clrMapOvr>
+</p:sld>
+</file>
+
+<file path=ppt/slides/slide26.xml><?xml version="1.0" encoding="utf-8"?>
+<p:sld xmlns:a="http://schemas.openxmlformats.org/drawingml/2006/main" xmlns:r="http://schemas.openxmlformats.org/officeDocument/2006/relationships" xmlns:p="http://schemas.openxmlformats.org/presentationml/2006/main">
+  <p:cSld>
+    <p:spTree>
+      <p:nvGrpSpPr>
+        <p:cNvPr id="1" name="">
+          <a:extLst>
+            <a:ext uri="{FF2B5EF4-FFF2-40B4-BE49-F238E27FC236}">
+              <a16:creationId xmlns:a16="http://schemas.microsoft.com/office/drawing/2014/main" id="{CBFEAE4D-AC93-025A-895E-2961246C976E}"/>
+            </a:ext>
+          </a:extLst>
+        </p:cNvPr>
+        <p:cNvGrpSpPr/>
+        <p:nvPr/>
+      </p:nvGrpSpPr>
+      <p:grpSpPr>
+        <a:xfrm>
+          <a:off x="0" y="0"/>
+          <a:ext cx="0" cy="0"/>
+          <a:chOff x="0" y="0"/>
+          <a:chExt cx="0" cy="0"/>
+        </a:xfrm>
+      </p:grpSpPr>
+      <p:sp>
+        <p:nvSpPr>
+          <p:cNvPr id="3" name="Content Placeholder 2">
+            <a:extLst>
+              <a:ext uri="{FF2B5EF4-FFF2-40B4-BE49-F238E27FC236}">
+                <a16:creationId xmlns:a16="http://schemas.microsoft.com/office/drawing/2014/main" id="{355E7EC1-DA72-2C25-FBB5-D9021CC97027}"/>
+              </a:ext>
+            </a:extLst>
+          </p:cNvPr>
+          <p:cNvSpPr>
+            <a:spLocks noGrp="1"/>
+          </p:cNvSpPr>
+          <p:nvPr>
+            <p:ph idx="1"/>
+          </p:nvPr>
+        </p:nvSpPr>
+        <p:spPr>
+          <a:xfrm>
+            <a:off x="838200" y="586228"/>
+            <a:ext cx="10515600" cy="5590735"/>
+          </a:xfrm>
+        </p:spPr>
+        <p:txBody>
+          <a:bodyPr vert="horz" lIns="91440" tIns="45720" rIns="91440" bIns="45720" rtlCol="0" anchor="t">
+            <a:normAutofit/>
+          </a:bodyPr>
+          <a:lstStyle/>
+          <a:p>
+            <a:r>
+              <a:rPr lang="en-US" b="1" dirty="0"/>
+              <a:t>Deleting an income/expense:</a:t>
+            </a:r>
+          </a:p>
+          <a:p>
+            <a:pPr marL="914400" lvl="1" indent="-457200">
+              <a:buAutoNum type="arabicPeriod"/>
+            </a:pPr>
+            <a:r>
+              <a:rPr lang="en-US" dirty="0"/>
+              <a:t>Click delete button from a transaction.</a:t>
+            </a:r>
+          </a:p>
+          <a:p>
+            <a:pPr marL="914400" lvl="1" indent="-457200">
+              <a:buAutoNum type="arabicPeriod"/>
+            </a:pPr>
+            <a:r>
+              <a:rPr lang="en-US" dirty="0"/>
+              <a:t>Transaction will slide-out and will be deleted, Stats will be updated.</a:t>
+            </a:r>
+          </a:p>
+        </p:txBody>
+      </p:sp>
+    </p:spTree>
+    <p:extLst>
+      <p:ext uri="{BB962C8B-B14F-4D97-AF65-F5344CB8AC3E}">
+        <p14:creationId xmlns:p14="http://schemas.microsoft.com/office/powerpoint/2010/main" val="2757036121"/>
+      </p:ext>
+    </p:extLst>
+  </p:cSld>
+  <p:clrMapOvr>
+    <a:masterClrMapping/>
+  </p:clrMapOvr>
+</p:sld>
+</file>
+
+<file path=ppt/slides/slide27.xml><?xml version="1.0" encoding="utf-8"?>
+<p:sld xmlns:a="http://schemas.openxmlformats.org/drawingml/2006/main" xmlns:r="http://schemas.openxmlformats.org/officeDocument/2006/relationships" xmlns:p="http://schemas.openxmlformats.org/presentationml/2006/main">
+  <p:cSld>
+    <p:spTree>
+      <p:nvGrpSpPr>
+        <p:cNvPr id="1" name="">
+          <a:extLst>
+            <a:ext uri="{FF2B5EF4-FFF2-40B4-BE49-F238E27FC236}">
+              <a16:creationId xmlns:a16="http://schemas.microsoft.com/office/drawing/2014/main" id="{A06AD0AC-5CE2-F535-9D89-796252FA365C}"/>
+            </a:ext>
+          </a:extLst>
+        </p:cNvPr>
+        <p:cNvGrpSpPr/>
+        <p:nvPr/>
+      </p:nvGrpSpPr>
+      <p:grpSpPr>
+        <a:xfrm>
+          <a:off x="0" y="0"/>
+          <a:ext cx="0" cy="0"/>
+          <a:chOff x="0" y="0"/>
+          <a:chExt cx="0" cy="0"/>
+        </a:xfrm>
+      </p:grpSpPr>
+      <p:pic>
+        <p:nvPicPr>
+          <p:cNvPr id="3" name="Picture 2" descr="A screenshot of a computer&#10;&#10;AI-generated content may be incorrect.">
+            <a:extLst>
+              <a:ext uri="{FF2B5EF4-FFF2-40B4-BE49-F238E27FC236}">
+                <a16:creationId xmlns:a16="http://schemas.microsoft.com/office/drawing/2014/main" id="{E1825949-4C50-30EA-4A04-E50A8EAA5A14}"/>
+              </a:ext>
+            </a:extLst>
+          </p:cNvPr>
+          <p:cNvPicPr>
+            <a:picLocks noChangeAspect="1"/>
+          </p:cNvPicPr>
+          <p:nvPr/>
+        </p:nvPicPr>
+        <p:blipFill>
+          <a:blip r:embed="rId2"/>
+          <a:stretch>
+            <a:fillRect/>
+          </a:stretch>
+        </p:blipFill>
+        <p:spPr>
+          <a:xfrm>
+            <a:off x="1428135" y="0"/>
+            <a:ext cx="9335729" cy="6858000"/>
+          </a:xfrm>
+          <a:prstGeom prst="rect">
+            <a:avLst/>
+          </a:prstGeom>
+        </p:spPr>
+      </p:pic>
+    </p:spTree>
+    <p:extLst>
+      <p:ext uri="{BB962C8B-B14F-4D97-AF65-F5344CB8AC3E}">
+        <p14:creationId xmlns:p14="http://schemas.microsoft.com/office/powerpoint/2010/main" val="2491930960"/>
+      </p:ext>
+    </p:extLst>
+  </p:cSld>
+  <p:clrMapOvr>
+    <a:masterClrMapping/>
+  </p:clrMapOvr>
+</p:sld>
+</file>
+
+<file path=ppt/slides/slide28.xml><?xml version="1.0" encoding="utf-8"?>
+<p:sld xmlns:a="http://schemas.openxmlformats.org/drawingml/2006/main" xmlns:r="http://schemas.openxmlformats.org/officeDocument/2006/relationships" xmlns:p="http://schemas.openxmlformats.org/presentationml/2006/main">
+  <p:cSld>
+    <p:spTree>
+      <p:nvGrpSpPr>
+        <p:cNvPr id="1" name="">
+          <a:extLst>
+            <a:ext uri="{FF2B5EF4-FFF2-40B4-BE49-F238E27FC236}">
+              <a16:creationId xmlns:a16="http://schemas.microsoft.com/office/drawing/2014/main" id="{EC619440-EE00-563E-67FB-CA0A944FB3BD}"/>
+            </a:ext>
+          </a:extLst>
+        </p:cNvPr>
+        <p:cNvGrpSpPr/>
+        <p:nvPr/>
+      </p:nvGrpSpPr>
+      <p:grpSpPr>
+        <a:xfrm>
+          <a:off x="0" y="0"/>
+          <a:ext cx="0" cy="0"/>
+          <a:chOff x="0" y="0"/>
+          <a:chExt cx="0" cy="0"/>
+        </a:xfrm>
+      </p:grpSpPr>
+      <p:pic>
+        <p:nvPicPr>
+          <p:cNvPr id="2" name="Picture 1" descr="A screenshot of a computer&#10;&#10;AI-generated content may be incorrect.">
+            <a:extLst>
+              <a:ext uri="{FF2B5EF4-FFF2-40B4-BE49-F238E27FC236}">
+                <a16:creationId xmlns:a16="http://schemas.microsoft.com/office/drawing/2014/main" id="{98A8296F-76B8-1F12-A0D0-02974493F2AC}"/>
+              </a:ext>
+            </a:extLst>
+          </p:cNvPr>
+          <p:cNvPicPr>
+            <a:picLocks noChangeAspect="1"/>
+          </p:cNvPicPr>
+          <p:nvPr/>
+        </p:nvPicPr>
+        <p:blipFill>
+          <a:blip r:embed="rId2"/>
+          <a:stretch>
+            <a:fillRect/>
+          </a:stretch>
+        </p:blipFill>
+        <p:spPr>
+          <a:xfrm>
+            <a:off x="1023938" y="261937"/>
+            <a:ext cx="10144125" cy="6334125"/>
+          </a:xfrm>
+          <a:prstGeom prst="rect">
+            <a:avLst/>
+          </a:prstGeom>
+        </p:spPr>
+      </p:pic>
+    </p:spTree>
+    <p:extLst>
+      <p:ext uri="{BB962C8B-B14F-4D97-AF65-F5344CB8AC3E}">
+        <p14:creationId xmlns:p14="http://schemas.microsoft.com/office/powerpoint/2010/main" val="2842023522"/>
+      </p:ext>
+    </p:extLst>
+  </p:cSld>
+  <p:clrMapOvr>
+    <a:masterClrMapping/>
+  </p:clrMapOvr>
+</p:sld>
+</file>
+
+<file path=ppt/slides/slide29.xml><?xml version="1.0" encoding="utf-8"?>
+<p:sld xmlns:a="http://schemas.openxmlformats.org/drawingml/2006/main" xmlns:r="http://schemas.openxmlformats.org/officeDocument/2006/relationships" xmlns:p="http://schemas.openxmlformats.org/presentationml/2006/main">
+  <p:cSld>
+    <p:spTree>
+      <p:nvGrpSpPr>
+        <p:cNvPr id="1" name="">
+          <a:extLst>
+            <a:ext uri="{FF2B5EF4-FFF2-40B4-BE49-F238E27FC236}">
+              <a16:creationId xmlns:a16="http://schemas.microsoft.com/office/drawing/2014/main" id="{C1D7E84B-5740-2063-CE90-4BA9A53E1599}"/>
+            </a:ext>
+          </a:extLst>
+        </p:cNvPr>
+        <p:cNvGrpSpPr/>
+        <p:nvPr/>
+      </p:nvGrpSpPr>
+      <p:grpSpPr>
+        <a:xfrm>
+          <a:off x="0" y="0"/>
+          <a:ext cx="0" cy="0"/>
+          <a:chOff x="0" y="0"/>
+          <a:chExt cx="0" cy="0"/>
+        </a:xfrm>
+      </p:grpSpPr>
+      <p:sp>
+        <p:nvSpPr>
+          <p:cNvPr id="2" name="Title 1">
+            <a:extLst>
+              <a:ext uri="{FF2B5EF4-FFF2-40B4-BE49-F238E27FC236}">
+                <a16:creationId xmlns:a16="http://schemas.microsoft.com/office/drawing/2014/main" id="{839610E7-29D5-DC0D-8DE0-8BC63060242A}"/>
+              </a:ext>
+            </a:extLst>
+          </p:cNvPr>
+          <p:cNvSpPr>
+            <a:spLocks noGrp="1"/>
+          </p:cNvSpPr>
+          <p:nvPr>
+            <p:ph type="title"/>
+          </p:nvPr>
+        </p:nvSpPr>
+        <p:spPr>
+          <a:xfrm>
+            <a:off x="838200" y="365125"/>
+            <a:ext cx="10515600" cy="6145442"/>
+          </a:xfrm>
+        </p:spPr>
+        <p:txBody>
+          <a:bodyPr/>
+          <a:lstStyle/>
+          <a:p>
+            <a:pPr algn="ctr"/>
+            <a:r>
+              <a:rPr lang="en-US" b="1" dirty="0"/>
+              <a:t>Filter incomes and/or expenses </a:t>
+            </a:r>
+            <a:br>
+              <a:rPr lang="en-US" b="1" dirty="0"/>
+            </a:br>
+            <a:r>
+              <a:rPr lang="en-US" b="1" dirty="0"/>
+              <a:t>by category</a:t>
+            </a:r>
+            <a:endParaRPr lang="en-US" dirty="0"/>
+          </a:p>
+        </p:txBody>
+      </p:sp>
+    </p:spTree>
+    <p:extLst>
+      <p:ext uri="{BB962C8B-B14F-4D97-AF65-F5344CB8AC3E}">
+        <p14:creationId xmlns:p14="http://schemas.microsoft.com/office/powerpoint/2010/main" val="736910826"/>
+      </p:ext>
+    </p:extLst>
+  </p:cSld>
+  <p:clrMapOvr>
+    <a:masterClrMapping/>
+  </p:clrMapOvr>
+</p:sld>
+</file>
+
 <file path=ppt/slides/slide3.xml><?xml version="1.0" encoding="utf-8"?>
 <p:sld xmlns:a="http://schemas.openxmlformats.org/drawingml/2006/main" xmlns:r="http://schemas.openxmlformats.org/officeDocument/2006/relationships" xmlns:p="http://schemas.openxmlformats.org/presentationml/2006/main">
   <p:cSld>
@@ -5179,6 +6044,296 @@
     <p:extLst>
       <p:ext uri="{BB962C8B-B14F-4D97-AF65-F5344CB8AC3E}">
         <p14:creationId xmlns:p14="http://schemas.microsoft.com/office/powerpoint/2010/main" val="293025404"/>
+      </p:ext>
+    </p:extLst>
+  </p:cSld>
+  <p:clrMapOvr>
+    <a:masterClrMapping/>
+  </p:clrMapOvr>
+</p:sld>
+</file>
+
+<file path=ppt/slides/slide30.xml><?xml version="1.0" encoding="utf-8"?>
+<p:sld xmlns:a="http://schemas.openxmlformats.org/drawingml/2006/main" xmlns:r="http://schemas.openxmlformats.org/officeDocument/2006/relationships" xmlns:p="http://schemas.openxmlformats.org/presentationml/2006/main">
+  <p:cSld>
+    <p:spTree>
+      <p:nvGrpSpPr>
+        <p:cNvPr id="1" name=""/>
+        <p:cNvGrpSpPr/>
+        <p:nvPr/>
+      </p:nvGrpSpPr>
+      <p:grpSpPr>
+        <a:xfrm>
+          <a:off x="0" y="0"/>
+          <a:ext cx="0" cy="0"/>
+          <a:chOff x="0" y="0"/>
+          <a:chExt cx="0" cy="0"/>
+        </a:xfrm>
+      </p:grpSpPr>
+      <p:sp>
+        <p:nvSpPr>
+          <p:cNvPr id="3" name="Content Placeholder 2">
+            <a:extLst>
+              <a:ext uri="{FF2B5EF4-FFF2-40B4-BE49-F238E27FC236}">
+                <a16:creationId xmlns:a16="http://schemas.microsoft.com/office/drawing/2014/main" id="{6C96A187-B59F-2970-1F99-A77CAC26BF46}"/>
+              </a:ext>
+            </a:extLst>
+          </p:cNvPr>
+          <p:cNvSpPr>
+            <a:spLocks noGrp="1"/>
+          </p:cNvSpPr>
+          <p:nvPr>
+            <p:ph idx="1"/>
+          </p:nvPr>
+        </p:nvSpPr>
+        <p:spPr>
+          <a:xfrm>
+            <a:off x="838200" y="586228"/>
+            <a:ext cx="10515600" cy="5590735"/>
+          </a:xfrm>
+        </p:spPr>
+        <p:txBody>
+          <a:bodyPr vert="horz" lIns="91440" tIns="45720" rIns="91440" bIns="45720" rtlCol="0" anchor="t">
+            <a:normAutofit/>
+          </a:bodyPr>
+          <a:lstStyle/>
+          <a:p>
+            <a:pPr marL="457200" indent="-457200"/>
+            <a:r>
+              <a:rPr lang="en-US" b="1" dirty="0"/>
+              <a:t>Filter income and expenses by category:</a:t>
+            </a:r>
+          </a:p>
+          <a:p>
+            <a:pPr marL="914400" lvl="1" indent="-457200">
+              <a:buAutoNum type="arabicPeriod"/>
+            </a:pPr>
+            <a:r>
+              <a:rPr lang="en-US" dirty="0"/>
+              <a:t>Select one or more categories from select menu in Income or/and Expense areas.</a:t>
+            </a:r>
+          </a:p>
+          <a:p>
+            <a:pPr marL="914400" lvl="1" indent="-457200">
+              <a:buAutoNum type="arabicPeriod"/>
+            </a:pPr>
+            <a:r>
+              <a:rPr lang="en-US" dirty="0"/>
+              <a:t>Transactions will be filtered based on the categories selected and UI will only show filtered categories.</a:t>
+            </a:r>
+          </a:p>
+          <a:p>
+            <a:pPr marL="914400" lvl="1" indent="-457200">
+              <a:buAutoNum type="arabicPeriod"/>
+            </a:pPr>
+            <a:r>
+              <a:rPr lang="en-US" dirty="0"/>
+              <a:t>Stats will update based on visible (filtered) transactions.</a:t>
+            </a:r>
+          </a:p>
+        </p:txBody>
+      </p:sp>
+    </p:spTree>
+    <p:extLst>
+      <p:ext uri="{BB962C8B-B14F-4D97-AF65-F5344CB8AC3E}">
+        <p14:creationId xmlns:p14="http://schemas.microsoft.com/office/powerpoint/2010/main" val="425546169"/>
+      </p:ext>
+    </p:extLst>
+  </p:cSld>
+  <p:clrMapOvr>
+    <a:masterClrMapping/>
+  </p:clrMapOvr>
+</p:sld>
+</file>
+
+<file path=ppt/slides/slide31.xml><?xml version="1.0" encoding="utf-8"?>
+<p:sld xmlns:a="http://schemas.openxmlformats.org/drawingml/2006/main" xmlns:r="http://schemas.openxmlformats.org/officeDocument/2006/relationships" xmlns:p="http://schemas.openxmlformats.org/presentationml/2006/main">
+  <p:cSld>
+    <p:spTree>
+      <p:nvGrpSpPr>
+        <p:cNvPr id="1" name="">
+          <a:extLst>
+            <a:ext uri="{FF2B5EF4-FFF2-40B4-BE49-F238E27FC236}">
+              <a16:creationId xmlns:a16="http://schemas.microsoft.com/office/drawing/2014/main" id="{A49EE0E0-A49C-8344-4DB9-5653FA2F5743}"/>
+            </a:ext>
+          </a:extLst>
+        </p:cNvPr>
+        <p:cNvGrpSpPr/>
+        <p:nvPr/>
+      </p:nvGrpSpPr>
+      <p:grpSpPr>
+        <a:xfrm>
+          <a:off x="0" y="0"/>
+          <a:ext cx="0" cy="0"/>
+          <a:chOff x="0" y="0"/>
+          <a:chExt cx="0" cy="0"/>
+        </a:xfrm>
+      </p:grpSpPr>
+      <p:pic>
+        <p:nvPicPr>
+          <p:cNvPr id="3" name="Picture 2" descr="A screenshot of a computer screen&#10;&#10;AI-generated content may be incorrect.">
+            <a:extLst>
+              <a:ext uri="{FF2B5EF4-FFF2-40B4-BE49-F238E27FC236}">
+                <a16:creationId xmlns:a16="http://schemas.microsoft.com/office/drawing/2014/main" id="{F0FABBAF-8CD6-460C-876F-DAF9E37ED2AB}"/>
+              </a:ext>
+            </a:extLst>
+          </p:cNvPr>
+          <p:cNvPicPr>
+            <a:picLocks noChangeAspect="1"/>
+          </p:cNvPicPr>
+          <p:nvPr/>
+        </p:nvPicPr>
+        <p:blipFill>
+          <a:blip r:embed="rId2"/>
+          <a:stretch>
+            <a:fillRect/>
+          </a:stretch>
+        </p:blipFill>
+        <p:spPr>
+          <a:xfrm>
+            <a:off x="2426552" y="0"/>
+            <a:ext cx="7338896" cy="6858000"/>
+          </a:xfrm>
+          <a:prstGeom prst="rect">
+            <a:avLst/>
+          </a:prstGeom>
+        </p:spPr>
+      </p:pic>
+    </p:spTree>
+    <p:extLst>
+      <p:ext uri="{BB962C8B-B14F-4D97-AF65-F5344CB8AC3E}">
+        <p14:creationId xmlns:p14="http://schemas.microsoft.com/office/powerpoint/2010/main" val="1129532637"/>
+      </p:ext>
+    </p:extLst>
+  </p:cSld>
+  <p:clrMapOvr>
+    <a:masterClrMapping/>
+  </p:clrMapOvr>
+</p:sld>
+</file>
+
+<file path=ppt/slides/slide32.xml><?xml version="1.0" encoding="utf-8"?>
+<p:sld xmlns:a="http://schemas.openxmlformats.org/drawingml/2006/main" xmlns:r="http://schemas.openxmlformats.org/officeDocument/2006/relationships" xmlns:p="http://schemas.openxmlformats.org/presentationml/2006/main">
+  <p:cSld>
+    <p:spTree>
+      <p:nvGrpSpPr>
+        <p:cNvPr id="1" name="">
+          <a:extLst>
+            <a:ext uri="{FF2B5EF4-FFF2-40B4-BE49-F238E27FC236}">
+              <a16:creationId xmlns:a16="http://schemas.microsoft.com/office/drawing/2014/main" id="{CA83690A-E96F-A784-460D-5B2DA513BECC}"/>
+            </a:ext>
+          </a:extLst>
+        </p:cNvPr>
+        <p:cNvGrpSpPr/>
+        <p:nvPr/>
+      </p:nvGrpSpPr>
+      <p:grpSpPr>
+        <a:xfrm>
+          <a:off x="0" y="0"/>
+          <a:ext cx="0" cy="0"/>
+          <a:chOff x="0" y="0"/>
+          <a:chExt cx="0" cy="0"/>
+        </a:xfrm>
+      </p:grpSpPr>
+      <p:pic>
+        <p:nvPicPr>
+          <p:cNvPr id="2" name="Picture 1" descr="A screenshot of a computer screen&#10;&#10;AI-generated content may be incorrect.">
+            <a:extLst>
+              <a:ext uri="{FF2B5EF4-FFF2-40B4-BE49-F238E27FC236}">
+                <a16:creationId xmlns:a16="http://schemas.microsoft.com/office/drawing/2014/main" id="{61B71B4E-B2EA-85B9-EAD8-CDBF08FA7779}"/>
+              </a:ext>
+            </a:extLst>
+          </p:cNvPr>
+          <p:cNvPicPr>
+            <a:picLocks noChangeAspect="1"/>
+          </p:cNvPicPr>
+          <p:nvPr/>
+        </p:nvPicPr>
+        <p:blipFill>
+          <a:blip r:embed="rId2"/>
+          <a:stretch>
+            <a:fillRect/>
+          </a:stretch>
+        </p:blipFill>
+        <p:spPr>
+          <a:xfrm>
+            <a:off x="1735815" y="0"/>
+            <a:ext cx="8720371" cy="6858000"/>
+          </a:xfrm>
+          <a:prstGeom prst="rect">
+            <a:avLst/>
+          </a:prstGeom>
+        </p:spPr>
+      </p:pic>
+    </p:spTree>
+    <p:extLst>
+      <p:ext uri="{BB962C8B-B14F-4D97-AF65-F5344CB8AC3E}">
+        <p14:creationId xmlns:p14="http://schemas.microsoft.com/office/powerpoint/2010/main" val="543267750"/>
+      </p:ext>
+    </p:extLst>
+  </p:cSld>
+  <p:clrMapOvr>
+    <a:masterClrMapping/>
+  </p:clrMapOvr>
+</p:sld>
+</file>
+
+<file path=ppt/slides/slide33.xml><?xml version="1.0" encoding="utf-8"?>
+<p:sld xmlns:a="http://schemas.openxmlformats.org/drawingml/2006/main" xmlns:r="http://schemas.openxmlformats.org/officeDocument/2006/relationships" xmlns:p="http://schemas.openxmlformats.org/presentationml/2006/main">
+  <p:cSld>
+    <p:spTree>
+      <p:nvGrpSpPr>
+        <p:cNvPr id="1" name=""/>
+        <p:cNvGrpSpPr/>
+        <p:nvPr/>
+      </p:nvGrpSpPr>
+      <p:grpSpPr>
+        <a:xfrm>
+          <a:off x="0" y="0"/>
+          <a:ext cx="0" cy="0"/>
+          <a:chOff x="0" y="0"/>
+          <a:chExt cx="0" cy="0"/>
+        </a:xfrm>
+      </p:grpSpPr>
+      <p:sp>
+        <p:nvSpPr>
+          <p:cNvPr id="2" name="Title 1">
+            <a:extLst>
+              <a:ext uri="{FF2B5EF4-FFF2-40B4-BE49-F238E27FC236}">
+                <a16:creationId xmlns:a16="http://schemas.microsoft.com/office/drawing/2014/main" id="{44D92D44-8182-4301-FD32-6D801057A470}"/>
+              </a:ext>
+            </a:extLst>
+          </p:cNvPr>
+          <p:cNvSpPr>
+            <a:spLocks noGrp="1"/>
+          </p:cNvSpPr>
+          <p:nvPr>
+            <p:ph type="title"/>
+          </p:nvPr>
+        </p:nvSpPr>
+        <p:spPr>
+          <a:xfrm>
+            <a:off x="838200" y="365125"/>
+            <a:ext cx="10515600" cy="6145442"/>
+          </a:xfrm>
+        </p:spPr>
+        <p:txBody>
+          <a:bodyPr/>
+          <a:lstStyle/>
+          <a:p>
+            <a:pPr algn="ctr"/>
+            <a:r>
+              <a:rPr lang="en-US" b="1" dirty="0"/>
+              <a:t>THE END</a:t>
+            </a:r>
+            <a:endParaRPr lang="en-US"/>
+          </a:p>
+        </p:txBody>
+      </p:sp>
+    </p:spTree>
+    <p:extLst>
+      <p:ext uri="{BB962C8B-B14F-4D97-AF65-F5344CB8AC3E}">
+        <p14:creationId xmlns:p14="http://schemas.microsoft.com/office/powerpoint/2010/main" val="3104140579"/>
       </p:ext>
     </p:extLst>
   </p:cSld>
